--- a/Presentations/Literature review.pptx
+++ b/Presentations/Literature review.pptx
@@ -105,6 +105,11 @@
       </a:defRPr>
     </a:lvl9pPr>
   </p:defaultTextStyle>
+  <p:extLst>
+    <p:ext uri="{EFAFB233-063F-42B5-8137-9DF3F51BA10A}">
+      <p15:sldGuideLst xmlns:p15="http://schemas.microsoft.com/office/powerpoint/2012/main"/>
+    </p:ext>
+  </p:extLst>
 </p:presentation>
 </file>
 
@@ -255,7 +260,7 @@
           <a:p>
             <a:fld id="{3E2CCDF9-9845-48D0-90A4-45D9EE4C0A81}" type="datetimeFigureOut">
               <a:rPr lang="en-US" smtClean="0"/>
-              <a:t>8/17/2022</a:t>
+              <a:t>8/30/2022</a:t>
             </a:fld>
             <a:endParaRPr lang="en-US"/>
           </a:p>
@@ -453,7 +458,7 @@
           <a:p>
             <a:fld id="{3E2CCDF9-9845-48D0-90A4-45D9EE4C0A81}" type="datetimeFigureOut">
               <a:rPr lang="en-US" smtClean="0"/>
-              <a:t>8/17/2022</a:t>
+              <a:t>8/30/2022</a:t>
             </a:fld>
             <a:endParaRPr lang="en-US"/>
           </a:p>
@@ -661,7 +666,7 @@
           <a:p>
             <a:fld id="{3E2CCDF9-9845-48D0-90A4-45D9EE4C0A81}" type="datetimeFigureOut">
               <a:rPr lang="en-US" smtClean="0"/>
-              <a:t>8/17/2022</a:t>
+              <a:t>8/30/2022</a:t>
             </a:fld>
             <a:endParaRPr lang="en-US"/>
           </a:p>
@@ -859,7 +864,7 @@
           <a:p>
             <a:fld id="{3E2CCDF9-9845-48D0-90A4-45D9EE4C0A81}" type="datetimeFigureOut">
               <a:rPr lang="en-US" smtClean="0"/>
-              <a:t>8/17/2022</a:t>
+              <a:t>8/30/2022</a:t>
             </a:fld>
             <a:endParaRPr lang="en-US"/>
           </a:p>
@@ -1134,7 +1139,7 @@
           <a:p>
             <a:fld id="{3E2CCDF9-9845-48D0-90A4-45D9EE4C0A81}" type="datetimeFigureOut">
               <a:rPr lang="en-US" smtClean="0"/>
-              <a:t>8/17/2022</a:t>
+              <a:t>8/30/2022</a:t>
             </a:fld>
             <a:endParaRPr lang="en-US"/>
           </a:p>
@@ -1399,7 +1404,7 @@
           <a:p>
             <a:fld id="{3E2CCDF9-9845-48D0-90A4-45D9EE4C0A81}" type="datetimeFigureOut">
               <a:rPr lang="en-US" smtClean="0"/>
-              <a:t>8/17/2022</a:t>
+              <a:t>8/30/2022</a:t>
             </a:fld>
             <a:endParaRPr lang="en-US"/>
           </a:p>
@@ -1811,7 +1816,7 @@
           <a:p>
             <a:fld id="{3E2CCDF9-9845-48D0-90A4-45D9EE4C0A81}" type="datetimeFigureOut">
               <a:rPr lang="en-US" smtClean="0"/>
-              <a:t>8/17/2022</a:t>
+              <a:t>8/30/2022</a:t>
             </a:fld>
             <a:endParaRPr lang="en-US"/>
           </a:p>
@@ -1952,7 +1957,7 @@
           <a:p>
             <a:fld id="{3E2CCDF9-9845-48D0-90A4-45D9EE4C0A81}" type="datetimeFigureOut">
               <a:rPr lang="en-US" smtClean="0"/>
-              <a:t>8/17/2022</a:t>
+              <a:t>8/30/2022</a:t>
             </a:fld>
             <a:endParaRPr lang="en-US"/>
           </a:p>
@@ -2065,7 +2070,7 @@
           <a:p>
             <a:fld id="{3E2CCDF9-9845-48D0-90A4-45D9EE4C0A81}" type="datetimeFigureOut">
               <a:rPr lang="en-US" smtClean="0"/>
-              <a:t>8/17/2022</a:t>
+              <a:t>8/30/2022</a:t>
             </a:fld>
             <a:endParaRPr lang="en-US"/>
           </a:p>
@@ -2376,7 +2381,7 @@
           <a:p>
             <a:fld id="{3E2CCDF9-9845-48D0-90A4-45D9EE4C0A81}" type="datetimeFigureOut">
               <a:rPr lang="en-US" smtClean="0"/>
-              <a:t>8/17/2022</a:t>
+              <a:t>8/30/2022</a:t>
             </a:fld>
             <a:endParaRPr lang="en-US"/>
           </a:p>
@@ -2664,7 +2669,7 @@
           <a:p>
             <a:fld id="{3E2CCDF9-9845-48D0-90A4-45D9EE4C0A81}" type="datetimeFigureOut">
               <a:rPr lang="en-US" smtClean="0"/>
-              <a:t>8/17/2022</a:t>
+              <a:t>8/30/2022</a:t>
             </a:fld>
             <a:endParaRPr lang="en-US"/>
           </a:p>
@@ -2905,7 +2910,7 @@
           <a:p>
             <a:fld id="{3E2CCDF9-9845-48D0-90A4-45D9EE4C0A81}" type="datetimeFigureOut">
               <a:rPr lang="en-US" smtClean="0"/>
-              <a:t>8/17/2022</a:t>
+              <a:t>8/30/2022</a:t>
             </a:fld>
             <a:endParaRPr lang="en-US"/>
           </a:p>
@@ -3419,15 +3424,13 @@
         </p:nvSpPr>
         <p:spPr>
           <a:xfrm>
-            <a:off x="2083879" y="3429000"/>
-            <a:ext cx="2034421" cy="1899019"/>
+            <a:off x="2562349" y="2913552"/>
+            <a:ext cx="1875725" cy="1612783"/>
           </a:xfrm>
           <a:prstGeom prst="ellipse">
             <a:avLst/>
           </a:prstGeom>
-          <a:solidFill>
-            <a:schemeClr val="bg1"/>
-          </a:solidFill>
+          <a:noFill/>
           <a:ln>
             <a:solidFill>
               <a:schemeClr val="tx1">
@@ -3459,7 +3462,7 @@
           <a:p>
             <a:pPr algn="ctr"/>
             <a:r>
-              <a:rPr lang="en-US" dirty="0">
+              <a:rPr lang="en-US" sz="1200" dirty="0">
                 <a:solidFill>
                   <a:sysClr val="windowText" lastClr="000000"/>
                 </a:solidFill>
@@ -3469,20 +3472,12 @@
           </a:p>
           <a:p>
             <a:pPr algn="ctr"/>
-            <a:endParaRPr lang="en-US" dirty="0">
+            <a:endParaRPr lang="en-US" sz="1200" dirty="0">
               <a:solidFill>
                 <a:sysClr val="windowText" lastClr="000000"/>
               </a:solidFill>
             </a:endParaRPr>
           </a:p>
-          <a:p>
-            <a:pPr algn="ctr"/>
-            <a:endParaRPr lang="en-US" dirty="0">
-              <a:solidFill>
-                <a:sysClr val="windowText" lastClr="000000"/>
-              </a:solidFill>
-            </a:endParaRPr>
-          </a:p>
         </p:txBody>
       </p:sp>
       <p:sp>
@@ -3502,15 +3497,13 @@
         </p:nvSpPr>
         <p:spPr>
           <a:xfrm>
-            <a:off x="2215299" y="847881"/>
-            <a:ext cx="1903001" cy="1859173"/>
+            <a:off x="2545718" y="1160795"/>
+            <a:ext cx="1798058" cy="1536185"/>
           </a:xfrm>
           <a:prstGeom prst="ellipse">
             <a:avLst/>
           </a:prstGeom>
-          <a:solidFill>
-            <a:schemeClr val="bg1"/>
-          </a:solidFill>
+          <a:noFill/>
           <a:ln>
             <a:solidFill>
               <a:schemeClr val="tx1">
@@ -3542,7 +3535,7 @@
           <a:p>
             <a:pPr algn="ctr"/>
             <a:r>
-              <a:rPr lang="en-US" dirty="0">
+              <a:rPr lang="en-US" sz="1200" dirty="0">
                 <a:solidFill>
                   <a:sysClr val="windowText" lastClr="000000"/>
                 </a:solidFill>
@@ -3552,7 +3545,7 @@
           </a:p>
           <a:p>
             <a:pPr algn="ctr"/>
-            <a:endParaRPr lang="en-US" dirty="0">
+            <a:endParaRPr lang="en-US" sz="1200" dirty="0">
               <a:solidFill>
                 <a:sysClr val="windowText" lastClr="000000"/>
               </a:solidFill>
@@ -3560,7 +3553,7 @@
           </a:p>
           <a:p>
             <a:pPr algn="ctr"/>
-            <a:endParaRPr lang="en-US" dirty="0">
+            <a:endParaRPr lang="en-US" sz="1200" dirty="0">
               <a:solidFill>
                 <a:sysClr val="windowText" lastClr="000000"/>
               </a:solidFill>
@@ -3585,15 +3578,13 @@
         </p:nvSpPr>
         <p:spPr>
           <a:xfrm>
-            <a:off x="5857036" y="579989"/>
-            <a:ext cx="2584772" cy="2432164"/>
+            <a:off x="5538659" y="653953"/>
+            <a:ext cx="2309567" cy="2047973"/>
           </a:xfrm>
           <a:prstGeom prst="ellipse">
             <a:avLst/>
           </a:prstGeom>
-          <a:solidFill>
-            <a:schemeClr val="bg1"/>
-          </a:solidFill>
+          <a:noFill/>
           <a:ln>
             <a:solidFill>
               <a:schemeClr val="tx1">
@@ -3624,8 +3615,16 @@
           <a:lstStyle/>
           <a:p>
             <a:pPr algn="ctr"/>
-            <a:r>
-              <a:rPr lang="en-US" dirty="0">
+            <a:endParaRPr lang="en-US" sz="1200" dirty="0">
+              <a:solidFill>
+                <a:sysClr val="windowText" lastClr="000000"/>
+              </a:solidFill>
+            </a:endParaRPr>
+          </a:p>
+          <a:p>
+            <a:pPr algn="ctr"/>
+            <a:r>
+              <a:rPr lang="en-US" sz="1200" dirty="0">
                 <a:solidFill>
                   <a:sysClr val="windowText" lastClr="000000"/>
                 </a:solidFill>
@@ -3635,7 +3634,7 @@
           </a:p>
           <a:p>
             <a:pPr algn="ctr"/>
-            <a:endParaRPr lang="en-US" dirty="0">
+            <a:endParaRPr lang="en-US" sz="1200" dirty="0">
               <a:solidFill>
                 <a:sysClr val="windowText" lastClr="000000"/>
               </a:solidFill>
@@ -3643,7 +3642,7 @@
           </a:p>
           <a:p>
             <a:pPr algn="ctr"/>
-            <a:endParaRPr lang="en-US" dirty="0">
+            <a:endParaRPr lang="en-US" sz="1200" dirty="0">
               <a:solidFill>
                 <a:sysClr val="windowText" lastClr="000000"/>
               </a:solidFill>
@@ -3668,15 +3667,13 @@
         </p:nvSpPr>
         <p:spPr>
           <a:xfrm>
-            <a:off x="5857036" y="3429000"/>
-            <a:ext cx="2216665" cy="2047973"/>
+            <a:off x="5538659" y="2764204"/>
+            <a:ext cx="2293914" cy="1965120"/>
           </a:xfrm>
           <a:prstGeom prst="ellipse">
             <a:avLst/>
           </a:prstGeom>
-          <a:solidFill>
-            <a:schemeClr val="bg1"/>
-          </a:solidFill>
+          <a:noFill/>
           <a:ln>
             <a:solidFill>
               <a:schemeClr val="tx1">
@@ -3708,7 +3705,7 @@
           <a:p>
             <a:pPr algn="ctr"/>
             <a:r>
-              <a:rPr lang="en-US" dirty="0">
+              <a:rPr lang="en-US" sz="1200" dirty="0">
                 <a:solidFill>
                   <a:sysClr val="windowText" lastClr="000000"/>
                 </a:solidFill>
@@ -3716,14 +3713,6 @@
               <a:t>Disaster preparedness</a:t>
             </a:r>
           </a:p>
-          <a:p>
-            <a:pPr algn="ctr"/>
-            <a:endParaRPr lang="en-US" dirty="0">
-              <a:solidFill>
-                <a:sysClr val="windowText" lastClr="000000"/>
-              </a:solidFill>
-            </a:endParaRPr>
-          </a:p>
         </p:txBody>
       </p:sp>
       <p:sp>
@@ -3743,15 +3732,13 @@
         </p:nvSpPr>
         <p:spPr>
           <a:xfrm>
-            <a:off x="3376266" y="1697866"/>
-            <a:ext cx="3222804" cy="2929122"/>
+            <a:off x="3840103" y="1852665"/>
+            <a:ext cx="2295131" cy="1963689"/>
           </a:xfrm>
           <a:prstGeom prst="ellipse">
             <a:avLst/>
           </a:prstGeom>
-          <a:solidFill>
-            <a:schemeClr val="bg1"/>
-          </a:solidFill>
+          <a:noFill/>
           <a:ln>
             <a:solidFill>
               <a:schemeClr val="tx1">
@@ -3782,7 +3769,7 @@
           <a:lstStyle/>
           <a:p>
             <a:pPr algn="ctr"/>
-            <a:endParaRPr lang="en-US" dirty="0">
+            <a:endParaRPr lang="en-US" sz="1200" dirty="0">
               <a:solidFill>
                 <a:sysClr val="windowText" lastClr="000000"/>
               </a:solidFill>
@@ -3806,7 +3793,7 @@
         <p:spPr>
           <a:xfrm>
             <a:off x="3832885" y="2423763"/>
-            <a:ext cx="2309567" cy="1754326"/>
+            <a:ext cx="2309567" cy="1015663"/>
           </a:xfrm>
           <a:prstGeom prst="rect">
             <a:avLst/>
@@ -3821,7 +3808,7 @@
           <a:p>
             <a:pPr algn="ctr"/>
             <a:r>
-              <a:rPr lang="en-US" b="1" dirty="0">
+              <a:rPr lang="en-US" sz="1200" b="1" dirty="0">
                 <a:solidFill>
                   <a:sysClr val="windowText" lastClr="000000"/>
                 </a:solidFill>
@@ -3833,7 +3820,7 @@
           <a:p>
             <a:pPr algn="ctr"/>
             <a:r>
-              <a:rPr lang="en-US" dirty="0">
+              <a:rPr lang="en-US" sz="1200" dirty="0">
                 <a:solidFill>
                   <a:sysClr val="windowText" lastClr="000000"/>
                 </a:solidFill>
@@ -3858,8 +3845,8 @@
         </p:nvSpPr>
         <p:spPr>
           <a:xfrm>
-            <a:off x="6101834" y="4594936"/>
-            <a:ext cx="1789623" cy="369332"/>
+            <a:off x="5922885" y="3783829"/>
+            <a:ext cx="1541113" cy="276999"/>
           </a:xfrm>
           <a:prstGeom prst="rect">
             <a:avLst/>
@@ -3874,13 +3861,13 @@
           <a:p>
             <a:pPr algn="ctr"/>
             <a:r>
-              <a:rPr lang="en-US" dirty="0">
+              <a:rPr lang="en-US" sz="1200" dirty="0">
                 <a:solidFill>
                   <a:sysClr val="windowText" lastClr="000000"/>
                 </a:solidFill>
                 <a:latin typeface="+mj-lt"/>
               </a:rPr>
-              <a:t>Lu et al. (2021 )</a:t>
+              <a:t>Lu et al. (2021)</a:t>
             </a:r>
           </a:p>
         </p:txBody>
@@ -3899,8 +3886,8 @@
         </p:nvSpPr>
         <p:spPr>
           <a:xfrm>
-            <a:off x="6189282" y="1777432"/>
-            <a:ext cx="1920280" cy="646331"/>
+            <a:off x="5608926" y="1677939"/>
+            <a:ext cx="2153379" cy="276999"/>
           </a:xfrm>
           <a:prstGeom prst="rect">
             <a:avLst/>
@@ -3915,28 +3902,16 @@
           <a:p>
             <a:pPr algn="ctr"/>
             <a:r>
-              <a:rPr lang="en-US" sz="1800" i="0" u="none" strike="noStrike" baseline="0" dirty="0">
+              <a:rPr lang="en-US" sz="1200" i="0" u="none" strike="noStrike" baseline="0" dirty="0">
                 <a:solidFill>
                   <a:srgbClr val="000000"/>
                 </a:solidFill>
                 <a:latin typeface="+mj-lt"/>
               </a:rPr>
-              <a:t>Shafapourtehrany</a:t>
-            </a:r>
-            <a:r>
-              <a:rPr lang="en-US" dirty="0">
-                <a:solidFill>
-                  <a:srgbClr val="000000"/>
-                </a:solidFill>
-                <a:latin typeface="+mj-lt"/>
-              </a:rPr>
-              <a:t> </a:t>
-            </a:r>
-          </a:p>
-          <a:p>
-            <a:pPr algn="ctr"/>
-            <a:r>
-              <a:rPr lang="en-US" dirty="0">
+              <a:t>Shafapourtehrany </a:t>
+            </a:r>
+            <a:r>
+              <a:rPr lang="en-US" sz="1200" dirty="0">
                 <a:solidFill>
                   <a:srgbClr val="000000"/>
                 </a:solidFill>
@@ -3944,7 +3919,7 @@
               </a:rPr>
               <a:t>et al. (2022)</a:t>
             </a:r>
-            <a:endParaRPr lang="en-US" dirty="0">
+            <a:endParaRPr lang="en-US" sz="1200" dirty="0">
               <a:latin typeface="+mj-lt"/>
             </a:endParaRPr>
           </a:p>
@@ -3964,8 +3939,8 @@
         </p:nvSpPr>
         <p:spPr>
           <a:xfrm>
-            <a:off x="2290581" y="1777431"/>
-            <a:ext cx="1798058" cy="646331"/>
+            <a:off x="2562349" y="1790387"/>
+            <a:ext cx="1798058" cy="276999"/>
           </a:xfrm>
           <a:prstGeom prst="rect">
             <a:avLst/>
@@ -3980,87 +3955,61 @@
           <a:p>
             <a:pPr algn="ctr"/>
             <a:r>
-              <a:rPr lang="en-US" b="0" i="0">
+              <a:rPr lang="en-US" sz="1200" b="0" i="0" dirty="0">
                 <a:solidFill>
                   <a:srgbClr val="000000"/>
                 </a:solidFill>
                 <a:effectLst/>
                 <a:latin typeface="+mj-lt"/>
               </a:rPr>
-              <a:t>Nejat and Gosh </a:t>
-            </a:r>
-          </a:p>
+              <a:t>Nejat and Gosh (2016)</a:t>
+            </a:r>
+            <a:endParaRPr lang="en-US" sz="1200" dirty="0">
+              <a:latin typeface="+mj-lt"/>
+            </a:endParaRPr>
+          </a:p>
+        </p:txBody>
+      </p:sp>
+      <p:sp>
+        <p:nvSpPr>
+          <p:cNvPr id="23" name="TextBox 22">
+            <a:extLst>
+              <a:ext uri="{FF2B5EF4-FFF2-40B4-BE49-F238E27FC236}">
+                <a16:creationId xmlns:a16="http://schemas.microsoft.com/office/drawing/2014/main" id="{74CFC858-45AE-4ADA-1A4E-EEFC99DA4B74}"/>
+              </a:ext>
+            </a:extLst>
+          </p:cNvPr>
+          <p:cNvSpPr txBox="1"/>
+          <p:nvPr/>
+        </p:nvSpPr>
+        <p:spPr>
+          <a:xfrm>
+            <a:off x="2842441" y="3693941"/>
+            <a:ext cx="1315539" cy="276999"/>
+          </a:xfrm>
+          <a:prstGeom prst="rect">
+            <a:avLst/>
+          </a:prstGeom>
+          <a:noFill/>
+        </p:spPr>
+        <p:txBody>
+          <a:bodyPr wrap="square">
+            <a:spAutoFit/>
+          </a:bodyPr>
+          <a:lstStyle/>
           <a:p>
             <a:pPr algn="ctr"/>
             <a:r>
-              <a:rPr lang="en-US" b="0" i="0">
+              <a:rPr lang="en-US" sz="1200" b="0" i="0" dirty="0">
                 <a:solidFill>
                   <a:srgbClr val="000000"/>
                 </a:solidFill>
                 <a:effectLst/>
                 <a:latin typeface="+mj-lt"/>
               </a:rPr>
-              <a:t>(2016)</a:t>
-            </a:r>
-            <a:endParaRPr lang="en-US" dirty="0">
-              <a:latin typeface="+mj-lt"/>
-            </a:endParaRPr>
-          </a:p>
-        </p:txBody>
-      </p:sp>
-      <p:sp>
-        <p:nvSpPr>
-          <p:cNvPr id="23" name="TextBox 22">
-            <a:extLst>
-              <a:ext uri="{FF2B5EF4-FFF2-40B4-BE49-F238E27FC236}">
-                <a16:creationId xmlns:a16="http://schemas.microsoft.com/office/drawing/2014/main" id="{74CFC858-45AE-4ADA-1A4E-EEFC99DA4B74}"/>
-              </a:ext>
-            </a:extLst>
-          </p:cNvPr>
-          <p:cNvSpPr txBox="1"/>
-          <p:nvPr/>
-        </p:nvSpPr>
-        <p:spPr>
-          <a:xfrm>
-            <a:off x="2517346" y="4378509"/>
-            <a:ext cx="1167485" cy="646331"/>
-          </a:xfrm>
-          <a:prstGeom prst="rect">
-            <a:avLst/>
-          </a:prstGeom>
-          <a:noFill/>
-        </p:spPr>
-        <p:txBody>
-          <a:bodyPr wrap="square">
-            <a:spAutoFit/>
-          </a:bodyPr>
-          <a:lstStyle/>
-          <a:p>
-            <a:pPr algn="ctr"/>
-            <a:r>
-              <a:rPr lang="en-US" b="0" i="0" dirty="0">
-                <a:solidFill>
-                  <a:srgbClr val="000000"/>
-                </a:solidFill>
-                <a:effectLst/>
-                <a:latin typeface="+mj-lt"/>
-              </a:rPr>
-              <a:t>Yan et al. </a:t>
-            </a:r>
-          </a:p>
-          <a:p>
-            <a:pPr algn="ctr"/>
-            <a:r>
-              <a:rPr lang="en-US" b="0" i="0" dirty="0">
-                <a:solidFill>
-                  <a:srgbClr val="000000"/>
-                </a:solidFill>
-                <a:effectLst/>
-                <a:latin typeface="+mj-lt"/>
-              </a:rPr>
-              <a:t>(2021)</a:t>
-            </a:r>
-            <a:endParaRPr lang="en-US" dirty="0">
+              <a:t>Yan et al. (2021)</a:t>
+            </a:r>
+            <a:endParaRPr lang="en-US" sz="1200" dirty="0">
               <a:latin typeface="+mj-lt"/>
             </a:endParaRPr>
           </a:p>
